--- a/temp/AluminiSession/KnowledgeGraphs.pptx
+++ b/temp/AluminiSession/KnowledgeGraphs.pptx
@@ -702,14 +702,14 @@
   <p:clrMapOvr>
     <a:masterClrMapping/>
   </p:clrMapOvr>
-  <mc:AlternateContent xmlns:mc="http://schemas.openxmlformats.org/markup-compatibility/2006" xmlns:p159="http://schemas.microsoft.com/office/powerpoint/2015/09/main">
-    <mc:Choice Requires="p159">
-      <p:transition xmlns:p14="http://schemas.microsoft.com/office/powerpoint/2010/main" spd="slow" p14:dur="2000">
+  <mc:AlternateContent xmlns:mc="http://schemas.openxmlformats.org/markup-compatibility/2006">
+    <mc:Choice xmlns:p159="http://schemas.microsoft.com/office/powerpoint/2015/09/main" Requires="p159">
+      <p:transition xmlns:p14="http://schemas.microsoft.com/office/powerpoint/2010/main" p14:dur="300">
         <p159:morph option="byObject"/>
       </p:transition>
     </mc:Choice>
-    <mc:Fallback xmlns="">
-      <p:transition spd="slow">
+    <mc:Fallback>
+      <p:transition>
         <p:fade/>
       </p:transition>
     </mc:Fallback>
@@ -927,14 +927,14 @@
   <p:clrMapOvr>
     <a:masterClrMapping/>
   </p:clrMapOvr>
-  <mc:AlternateContent xmlns:mc="http://schemas.openxmlformats.org/markup-compatibility/2006" xmlns:p159="http://schemas.microsoft.com/office/powerpoint/2015/09/main">
-    <mc:Choice Requires="p159">
-      <p:transition xmlns:p14="http://schemas.microsoft.com/office/powerpoint/2010/main" spd="slow" p14:dur="2000">
+  <mc:AlternateContent xmlns:mc="http://schemas.openxmlformats.org/markup-compatibility/2006">
+    <mc:Choice xmlns:p159="http://schemas.microsoft.com/office/powerpoint/2015/09/main" Requires="p159">
+      <p:transition xmlns:p14="http://schemas.microsoft.com/office/powerpoint/2010/main" p14:dur="300">
         <p159:morph option="byObject"/>
       </p:transition>
     </mc:Choice>
-    <mc:Fallback xmlns="">
-      <p:transition spd="slow">
+    <mc:Fallback>
+      <p:transition>
         <p:fade/>
       </p:transition>
     </mc:Fallback>
@@ -1151,14 +1151,14 @@
   <p:clrMapOvr>
     <a:masterClrMapping/>
   </p:clrMapOvr>
-  <mc:AlternateContent xmlns:mc="http://schemas.openxmlformats.org/markup-compatibility/2006" xmlns:p159="http://schemas.microsoft.com/office/powerpoint/2015/09/main">
-    <mc:Choice Requires="p159">
-      <p:transition xmlns:p14="http://schemas.microsoft.com/office/powerpoint/2010/main" spd="slow" p14:dur="2000">
+  <mc:AlternateContent xmlns:mc="http://schemas.openxmlformats.org/markup-compatibility/2006">
+    <mc:Choice xmlns:p159="http://schemas.microsoft.com/office/powerpoint/2015/09/main" Requires="p159">
+      <p:transition xmlns:p14="http://schemas.microsoft.com/office/powerpoint/2010/main" p14:dur="300">
         <p159:morph option="byObject"/>
       </p:transition>
     </mc:Choice>
-    <mc:Fallback xmlns="">
-      <p:transition spd="slow">
+    <mc:Fallback>
+      <p:transition>
         <p:fade/>
       </p:transition>
     </mc:Fallback>
@@ -1364,14 +1364,14 @@
   <p:clrMapOvr>
     <a:masterClrMapping/>
   </p:clrMapOvr>
-  <mc:AlternateContent xmlns:mc="http://schemas.openxmlformats.org/markup-compatibility/2006" xmlns:p159="http://schemas.microsoft.com/office/powerpoint/2015/09/main">
-    <mc:Choice Requires="p159">
-      <p:transition xmlns:p14="http://schemas.microsoft.com/office/powerpoint/2010/main" spd="slow" p14:dur="2000">
+  <mc:AlternateContent xmlns:mc="http://schemas.openxmlformats.org/markup-compatibility/2006">
+    <mc:Choice xmlns:p159="http://schemas.microsoft.com/office/powerpoint/2015/09/main" Requires="p159">
+      <p:transition xmlns:p14="http://schemas.microsoft.com/office/powerpoint/2010/main" p14:dur="300">
         <p159:morph option="byObject"/>
       </p:transition>
     </mc:Choice>
-    <mc:Fallback xmlns="">
-      <p:transition spd="slow">
+    <mc:Fallback>
+      <p:transition>
         <p:fade/>
       </p:transition>
     </mc:Fallback>
@@ -1659,14 +1659,14 @@
   <p:clrMapOvr>
     <a:masterClrMapping/>
   </p:clrMapOvr>
-  <mc:AlternateContent xmlns:mc="http://schemas.openxmlformats.org/markup-compatibility/2006" xmlns:p159="http://schemas.microsoft.com/office/powerpoint/2015/09/main">
-    <mc:Choice Requires="p159">
-      <p:transition xmlns:p14="http://schemas.microsoft.com/office/powerpoint/2010/main" spd="slow" p14:dur="2000">
+  <mc:AlternateContent xmlns:mc="http://schemas.openxmlformats.org/markup-compatibility/2006">
+    <mc:Choice xmlns:p159="http://schemas.microsoft.com/office/powerpoint/2015/09/main" Requires="p159">
+      <p:transition xmlns:p14="http://schemas.microsoft.com/office/powerpoint/2010/main" p14:dur="300">
         <p159:morph option="byObject"/>
       </p:transition>
     </mc:Choice>
-    <mc:Fallback xmlns="">
-      <p:transition spd="slow">
+    <mc:Fallback>
+      <p:transition>
         <p:fade/>
       </p:transition>
     </mc:Fallback>
@@ -1983,14 +1983,14 @@
   <p:clrMapOvr>
     <a:masterClrMapping/>
   </p:clrMapOvr>
-  <mc:AlternateContent xmlns:mc="http://schemas.openxmlformats.org/markup-compatibility/2006" xmlns:p159="http://schemas.microsoft.com/office/powerpoint/2015/09/main">
-    <mc:Choice Requires="p159">
-      <p:transition xmlns:p14="http://schemas.microsoft.com/office/powerpoint/2010/main" spd="slow" p14:dur="2000">
+  <mc:AlternateContent xmlns:mc="http://schemas.openxmlformats.org/markup-compatibility/2006">
+    <mc:Choice xmlns:p159="http://schemas.microsoft.com/office/powerpoint/2015/09/main" Requires="p159">
+      <p:transition xmlns:p14="http://schemas.microsoft.com/office/powerpoint/2010/main" p14:dur="300">
         <p159:morph option="byObject"/>
       </p:transition>
     </mc:Choice>
-    <mc:Fallback xmlns="">
-      <p:transition spd="slow">
+    <mc:Fallback>
+      <p:transition>
         <p:fade/>
       </p:transition>
     </mc:Fallback>
@@ -2416,14 +2416,14 @@
   <p:clrMapOvr>
     <a:masterClrMapping/>
   </p:clrMapOvr>
-  <mc:AlternateContent xmlns:mc="http://schemas.openxmlformats.org/markup-compatibility/2006" xmlns:p159="http://schemas.microsoft.com/office/powerpoint/2015/09/main">
-    <mc:Choice Requires="p159">
-      <p:transition xmlns:p14="http://schemas.microsoft.com/office/powerpoint/2010/main" spd="slow" p14:dur="2000">
+  <mc:AlternateContent xmlns:mc="http://schemas.openxmlformats.org/markup-compatibility/2006">
+    <mc:Choice xmlns:p159="http://schemas.microsoft.com/office/powerpoint/2015/09/main" Requires="p159">
+      <p:transition xmlns:p14="http://schemas.microsoft.com/office/powerpoint/2010/main" p14:dur="300">
         <p159:morph option="byObject"/>
       </p:transition>
     </mc:Choice>
-    <mc:Fallback xmlns="">
-      <p:transition spd="slow">
+    <mc:Fallback>
+      <p:transition>
         <p:fade/>
       </p:transition>
     </mc:Fallback>
@@ -2578,14 +2578,14 @@
   <p:clrMapOvr>
     <a:masterClrMapping/>
   </p:clrMapOvr>
-  <mc:AlternateContent xmlns:mc="http://schemas.openxmlformats.org/markup-compatibility/2006" xmlns:p159="http://schemas.microsoft.com/office/powerpoint/2015/09/main">
-    <mc:Choice Requires="p159">
-      <p:transition xmlns:p14="http://schemas.microsoft.com/office/powerpoint/2010/main" spd="slow" p14:dur="2000">
+  <mc:AlternateContent xmlns:mc="http://schemas.openxmlformats.org/markup-compatibility/2006">
+    <mc:Choice xmlns:p159="http://schemas.microsoft.com/office/powerpoint/2015/09/main" Requires="p159">
+      <p:transition xmlns:p14="http://schemas.microsoft.com/office/powerpoint/2010/main" p14:dur="300">
         <p159:morph option="byObject"/>
       </p:transition>
     </mc:Choice>
-    <mc:Fallback xmlns="">
-      <p:transition spd="slow">
+    <mc:Fallback>
+      <p:transition>
         <p:fade/>
       </p:transition>
     </mc:Fallback>
@@ -2706,14 +2706,14 @@
   <p:clrMapOvr>
     <a:masterClrMapping/>
   </p:clrMapOvr>
-  <mc:AlternateContent xmlns:mc="http://schemas.openxmlformats.org/markup-compatibility/2006" xmlns:p159="http://schemas.microsoft.com/office/powerpoint/2015/09/main">
-    <mc:Choice Requires="p159">
-      <p:transition xmlns:p14="http://schemas.microsoft.com/office/powerpoint/2010/main" spd="slow" p14:dur="2000">
+  <mc:AlternateContent xmlns:mc="http://schemas.openxmlformats.org/markup-compatibility/2006">
+    <mc:Choice xmlns:p159="http://schemas.microsoft.com/office/powerpoint/2015/09/main" Requires="p159">
+      <p:transition xmlns:p14="http://schemas.microsoft.com/office/powerpoint/2010/main" p14:dur="300">
         <p159:morph option="byObject"/>
       </p:transition>
     </mc:Choice>
-    <mc:Fallback xmlns="">
-      <p:transition spd="slow">
+    <mc:Fallback>
+      <p:transition>
         <p:fade/>
       </p:transition>
     </mc:Fallback>
@@ -3034,14 +3034,14 @@
   <p:clrMapOvr>
     <a:masterClrMapping/>
   </p:clrMapOvr>
-  <mc:AlternateContent xmlns:mc="http://schemas.openxmlformats.org/markup-compatibility/2006" xmlns:p159="http://schemas.microsoft.com/office/powerpoint/2015/09/main">
-    <mc:Choice Requires="p159">
-      <p:transition xmlns:p14="http://schemas.microsoft.com/office/powerpoint/2010/main" spd="slow" p14:dur="2000">
+  <mc:AlternateContent xmlns:mc="http://schemas.openxmlformats.org/markup-compatibility/2006">
+    <mc:Choice xmlns:p159="http://schemas.microsoft.com/office/powerpoint/2015/09/main" Requires="p159">
+      <p:transition xmlns:p14="http://schemas.microsoft.com/office/powerpoint/2010/main" p14:dur="300">
         <p159:morph option="byObject"/>
       </p:transition>
     </mc:Choice>
-    <mc:Fallback xmlns="">
-      <p:transition spd="slow">
+    <mc:Fallback>
+      <p:transition>
         <p:fade/>
       </p:transition>
     </mc:Fallback>
@@ -3346,14 +3346,14 @@
   <p:clrMapOvr>
     <a:masterClrMapping/>
   </p:clrMapOvr>
-  <mc:AlternateContent xmlns:mc="http://schemas.openxmlformats.org/markup-compatibility/2006" xmlns:p159="http://schemas.microsoft.com/office/powerpoint/2015/09/main">
-    <mc:Choice Requires="p159">
-      <p:transition xmlns:p14="http://schemas.microsoft.com/office/powerpoint/2010/main" spd="slow" p14:dur="2000">
+  <mc:AlternateContent xmlns:mc="http://schemas.openxmlformats.org/markup-compatibility/2006">
+    <mc:Choice xmlns:p159="http://schemas.microsoft.com/office/powerpoint/2015/09/main" Requires="p159">
+      <p:transition xmlns:p14="http://schemas.microsoft.com/office/powerpoint/2010/main" p14:dur="300">
         <p159:morph option="byObject"/>
       </p:transition>
     </mc:Choice>
-    <mc:Fallback xmlns="">
-      <p:transition spd="slow">
+    <mc:Fallback>
+      <p:transition>
         <p:fade/>
       </p:transition>
     </mc:Fallback>
@@ -3645,14 +3645,14 @@
     <p:sldLayoutId id="2147483662" r:id="rId10"/>
     <p:sldLayoutId id="2147483661" r:id="rId11"/>
   </p:sldLayoutIdLst>
-  <mc:AlternateContent xmlns:mc="http://schemas.openxmlformats.org/markup-compatibility/2006" xmlns:p159="http://schemas.microsoft.com/office/powerpoint/2015/09/main">
-    <mc:Choice Requires="p159">
-      <p:transition xmlns:p14="http://schemas.microsoft.com/office/powerpoint/2010/main" spd="slow" p14:dur="2000">
+  <mc:AlternateContent xmlns:mc="http://schemas.openxmlformats.org/markup-compatibility/2006">
+    <mc:Choice xmlns:p159="http://schemas.microsoft.com/office/powerpoint/2015/09/main" Requires="p159">
+      <p:transition xmlns:p14="http://schemas.microsoft.com/office/powerpoint/2010/main" p14:dur="300">
         <p159:morph option="byObject"/>
       </p:transition>
     </mc:Choice>
-    <mc:Fallback xmlns="">
-      <p:transition spd="slow">
+    <mc:Fallback>
+      <p:transition>
         <p:fade/>
       </p:transition>
     </mc:Fallback>
@@ -4070,14 +4070,14 @@
   <p:clrMapOvr>
     <a:masterClrMapping/>
   </p:clrMapOvr>
-  <mc:AlternateContent xmlns:mc="http://schemas.openxmlformats.org/markup-compatibility/2006" xmlns:p159="http://schemas.microsoft.com/office/powerpoint/2015/09/main">
-    <mc:Choice Requires="p159">
-      <p:transition xmlns:p14="http://schemas.microsoft.com/office/powerpoint/2010/main" spd="slow" p14:dur="2000">
+  <mc:AlternateContent xmlns:mc="http://schemas.openxmlformats.org/markup-compatibility/2006">
+    <mc:Choice xmlns:p159="http://schemas.microsoft.com/office/powerpoint/2015/09/main" Requires="p159">
+      <p:transition xmlns:p14="http://schemas.microsoft.com/office/powerpoint/2010/main" p14:dur="300">
         <p159:morph option="byObject"/>
       </p:transition>
     </mc:Choice>
-    <mc:Fallback xmlns="">
-      <p:transition spd="slow">
+    <mc:Fallback>
+      <p:transition>
         <p:fade/>
       </p:transition>
     </mc:Fallback>
@@ -4094,9 +4094,6 @@
                     <p:cTn id="3" fill="hold">
                       <p:stCondLst>
                         <p:cond delay="indefinite"/>
-                        <p:cond evt="onBegin" delay="0">
-                          <p:tn val="2"/>
-                        </p:cond>
                       </p:stCondLst>
                       <p:childTnLst>
                         <p:par>
@@ -4106,9 +4103,9 @@
                             </p:stCondLst>
                             <p:childTnLst>
                               <p:par>
-                                <p:cTn id="5" presetID="10" presetClass="entr" presetSubtype="0" fill="hold" grpId="0" nodeType="withEffect">
+                                <p:cTn id="5" presetID="10" presetClass="entr" presetSubtype="0" fill="hold" grpId="0" nodeType="clickEffect">
                                   <p:stCondLst>
-                                    <p:cond delay="1000"/>
+                                    <p:cond delay="0"/>
                                   </p:stCondLst>
                                   <p:iterate type="lt">
                                     <p:tmPct val="10000"/>
@@ -4134,7 +4131,7 @@
                                     </p:set>
                                     <p:animEffect transition="in" filter="fade">
                                       <p:cBhvr>
-                                        <p:cTn id="7" dur="400"/>
+                                        <p:cTn id="7" dur="300"/>
                                         <p:tgtEl>
                                           <p:spTgt spid="2"/>
                                         </p:tgtEl>
@@ -4366,14 +4363,14 @@
   <p:clrMapOvr>
     <a:masterClrMapping/>
   </p:clrMapOvr>
-  <mc:AlternateContent xmlns:mc="http://schemas.openxmlformats.org/markup-compatibility/2006" xmlns:p159="http://schemas.microsoft.com/office/powerpoint/2015/09/main">
-    <mc:Choice Requires="p159">
-      <p:transition xmlns:p14="http://schemas.microsoft.com/office/powerpoint/2010/main" spd="slow" p14:dur="2000">
+  <mc:AlternateContent xmlns:mc="http://schemas.openxmlformats.org/markup-compatibility/2006">
+    <mc:Choice xmlns:p159="http://schemas.microsoft.com/office/powerpoint/2015/09/main" Requires="p159">
+      <p:transition xmlns:p14="http://schemas.microsoft.com/office/powerpoint/2010/main" p14:dur="300">
         <p159:morph option="byObject"/>
       </p:transition>
     </mc:Choice>
-    <mc:Fallback xmlns="">
-      <p:transition spd="slow">
+    <mc:Fallback>
+      <p:transition>
         <p:fade/>
       </p:transition>
     </mc:Fallback>
@@ -4769,18 +4766,93 @@
   <p:clrMapOvr>
     <a:masterClrMapping/>
   </p:clrMapOvr>
-  <mc:AlternateContent xmlns:mc="http://schemas.openxmlformats.org/markup-compatibility/2006" xmlns:p159="http://schemas.microsoft.com/office/powerpoint/2015/09/main">
-    <mc:Choice Requires="p159">
-      <p:transition xmlns:p14="http://schemas.microsoft.com/office/powerpoint/2010/main" spd="slow" p14:dur="2000">
+  <mc:AlternateContent xmlns:mc="http://schemas.openxmlformats.org/markup-compatibility/2006">
+    <mc:Choice xmlns:p159="http://schemas.microsoft.com/office/powerpoint/2015/09/main" Requires="p159">
+      <p:transition xmlns:p14="http://schemas.microsoft.com/office/powerpoint/2010/main" p14:dur="300">
         <p159:morph option="byObject"/>
       </p:transition>
     </mc:Choice>
-    <mc:Fallback xmlns="">
-      <p:transition spd="slow">
+    <mc:Fallback>
+      <p:transition>
         <p:fade/>
       </p:transition>
     </mc:Fallback>
   </mc:AlternateContent>
+  <p:timing>
+    <p:tnLst>
+      <p:par>
+        <p:cTn id="1" dur="indefinite" restart="never" nodeType="tmRoot">
+          <p:childTnLst>
+            <p:seq concurrent="1" nextAc="seek">
+              <p:cTn id="2" dur="indefinite" nodeType="mainSeq">
+                <p:childTnLst>
+                  <p:par>
+                    <p:cTn id="3" fill="hold">
+                      <p:stCondLst>
+                        <p:cond delay="indefinite"/>
+                      </p:stCondLst>
+                      <p:childTnLst>
+                        <p:par>
+                          <p:cTn id="4" fill="hold">
+                            <p:stCondLst>
+                              <p:cond delay="0"/>
+                            </p:stCondLst>
+                            <p:childTnLst>
+                              <p:par>
+                                <p:cTn id="5" presetID="1" presetClass="entr" presetSubtype="0" fill="hold" nodeType="clickEffect">
+                                  <p:stCondLst>
+                                    <p:cond delay="0"/>
+                                  </p:stCondLst>
+                                  <p:childTnLst>
+                                    <p:set>
+                                      <p:cBhvr>
+                                        <p:cTn id="6" dur="1" fill="hold">
+                                          <p:stCondLst>
+                                            <p:cond delay="9"/>
+                                          </p:stCondLst>
+                                        </p:cTn>
+                                        <p:tgtEl>
+                                          <p:spTgt spid="2050"/>
+                                        </p:tgtEl>
+                                        <p:attrNameLst>
+                                          <p:attrName>style.visibility</p:attrName>
+                                        </p:attrNameLst>
+                                      </p:cBhvr>
+                                      <p:to>
+                                        <p:strVal val="visible"/>
+                                      </p:to>
+                                    </p:set>
+                                  </p:childTnLst>
+                                </p:cTn>
+                              </p:par>
+                            </p:childTnLst>
+                          </p:cTn>
+                        </p:par>
+                      </p:childTnLst>
+                    </p:cTn>
+                  </p:par>
+                </p:childTnLst>
+              </p:cTn>
+              <p:prevCondLst>
+                <p:cond evt="onPrev" delay="0">
+                  <p:tgtEl>
+                    <p:sldTgt/>
+                  </p:tgtEl>
+                </p:cond>
+              </p:prevCondLst>
+              <p:nextCondLst>
+                <p:cond evt="onNext" delay="0">
+                  <p:tgtEl>
+                    <p:sldTgt/>
+                  </p:tgtEl>
+                </p:cond>
+              </p:nextCondLst>
+            </p:seq>
+          </p:childTnLst>
+        </p:cTn>
+      </p:par>
+    </p:tnLst>
+  </p:timing>
 </p:sld>
 </file>
 
@@ -4973,14 +5045,14 @@
   <p:clrMapOvr>
     <a:masterClrMapping/>
   </p:clrMapOvr>
-  <mc:AlternateContent xmlns:mc="http://schemas.openxmlformats.org/markup-compatibility/2006" xmlns:p159="http://schemas.microsoft.com/office/powerpoint/2015/09/main">
-    <mc:Choice Requires="p159">
-      <p:transition xmlns:p14="http://schemas.microsoft.com/office/powerpoint/2010/main" spd="slow" p14:dur="2000">
+  <mc:AlternateContent xmlns:mc="http://schemas.openxmlformats.org/markup-compatibility/2006">
+    <mc:Choice xmlns:p159="http://schemas.microsoft.com/office/powerpoint/2015/09/main" Requires="p159">
+      <p:transition xmlns:p14="http://schemas.microsoft.com/office/powerpoint/2010/main" p14:dur="300">
         <p159:morph option="byObject"/>
       </p:transition>
     </mc:Choice>
-    <mc:Fallback xmlns="">
-      <p:transition spd="slow">
+    <mc:Fallback>
+      <p:transition>
         <p:fade/>
       </p:transition>
     </mc:Fallback>
@@ -5242,14 +5314,14 @@
   <p:clrMapOvr>
     <a:masterClrMapping/>
   </p:clrMapOvr>
-  <mc:AlternateContent xmlns:mc="http://schemas.openxmlformats.org/markup-compatibility/2006" xmlns:p159="http://schemas.microsoft.com/office/powerpoint/2015/09/main">
-    <mc:Choice Requires="p159">
-      <p:transition xmlns:p14="http://schemas.microsoft.com/office/powerpoint/2010/main" spd="slow" p14:dur="2000">
+  <mc:AlternateContent xmlns:mc="http://schemas.openxmlformats.org/markup-compatibility/2006">
+    <mc:Choice xmlns:p159="http://schemas.microsoft.com/office/powerpoint/2015/09/main" Requires="p159">
+      <p:transition xmlns:p14="http://schemas.microsoft.com/office/powerpoint/2010/main" p14:dur="300">
         <p159:morph option="byObject"/>
       </p:transition>
     </mc:Choice>
-    <mc:Fallback xmlns="">
-      <p:transition spd="slow">
+    <mc:Fallback>
+      <p:transition>
         <p:fade/>
       </p:transition>
     </mc:Fallback>
@@ -5474,14 +5546,14 @@
   <p:clrMapOvr>
     <a:masterClrMapping/>
   </p:clrMapOvr>
-  <mc:AlternateContent xmlns:mc="http://schemas.openxmlformats.org/markup-compatibility/2006" xmlns:p159="http://schemas.microsoft.com/office/powerpoint/2015/09/main">
-    <mc:Choice Requires="p159">
-      <p:transition xmlns:p14="http://schemas.microsoft.com/office/powerpoint/2010/main" spd="slow" p14:dur="2000">
+  <mc:AlternateContent xmlns:mc="http://schemas.openxmlformats.org/markup-compatibility/2006">
+    <mc:Choice xmlns:p159="http://schemas.microsoft.com/office/powerpoint/2015/09/main" Requires="p159">
+      <p:transition xmlns:p14="http://schemas.microsoft.com/office/powerpoint/2010/main" p14:dur="300">
         <p159:morph option="byObject"/>
       </p:transition>
     </mc:Choice>
-    <mc:Fallback xmlns="">
-      <p:transition spd="slow">
+    <mc:Fallback>
+      <p:transition>
         <p:fade/>
       </p:transition>
     </mc:Fallback>
@@ -5676,14 +5748,14 @@
   <p:clrMapOvr>
     <a:masterClrMapping/>
   </p:clrMapOvr>
-  <mc:AlternateContent xmlns:mc="http://schemas.openxmlformats.org/markup-compatibility/2006" xmlns:p159="http://schemas.microsoft.com/office/powerpoint/2015/09/main">
-    <mc:Choice Requires="p159">
-      <p:transition xmlns:p14="http://schemas.microsoft.com/office/powerpoint/2010/main" spd="slow" p14:dur="2000">
+  <mc:AlternateContent xmlns:mc="http://schemas.openxmlformats.org/markup-compatibility/2006">
+    <mc:Choice xmlns:p159="http://schemas.microsoft.com/office/powerpoint/2015/09/main" Requires="p159">
+      <p:transition xmlns:p14="http://schemas.microsoft.com/office/powerpoint/2010/main" p14:dur="300">
         <p159:morph option="byObject"/>
       </p:transition>
     </mc:Choice>
-    <mc:Fallback xmlns="">
-      <p:transition spd="slow">
+    <mc:Fallback>
+      <p:transition>
         <p:fade/>
       </p:transition>
     </mc:Fallback>
@@ -6007,14 +6079,14 @@
   <p:clrMapOvr>
     <a:masterClrMapping/>
   </p:clrMapOvr>
-  <mc:AlternateContent xmlns:mc="http://schemas.openxmlformats.org/markup-compatibility/2006" xmlns:p159="http://schemas.microsoft.com/office/powerpoint/2015/09/main">
-    <mc:Choice Requires="p159">
-      <p:transition xmlns:p14="http://schemas.microsoft.com/office/powerpoint/2010/main" spd="slow" p14:dur="2000">
+  <mc:AlternateContent xmlns:mc="http://schemas.openxmlformats.org/markup-compatibility/2006">
+    <mc:Choice xmlns:p159="http://schemas.microsoft.com/office/powerpoint/2015/09/main" Requires="p159">
+      <p:transition xmlns:p14="http://schemas.microsoft.com/office/powerpoint/2010/main" p14:dur="300">
         <p159:morph option="byObject"/>
       </p:transition>
     </mc:Choice>
-    <mc:Fallback xmlns="">
-      <p:transition spd="slow">
+    <mc:Fallback>
+      <p:transition>
         <p:fade/>
       </p:transition>
     </mc:Fallback>
@@ -6297,14 +6369,14 @@
   <p:clrMapOvr>
     <a:masterClrMapping/>
   </p:clrMapOvr>
-  <mc:AlternateContent xmlns:mc="http://schemas.openxmlformats.org/markup-compatibility/2006" xmlns:p159="http://schemas.microsoft.com/office/powerpoint/2015/09/main">
-    <mc:Choice Requires="p159">
-      <p:transition xmlns:p14="http://schemas.microsoft.com/office/powerpoint/2010/main" spd="slow" p14:dur="2000">
+  <mc:AlternateContent xmlns:mc="http://schemas.openxmlformats.org/markup-compatibility/2006">
+    <mc:Choice xmlns:p159="http://schemas.microsoft.com/office/powerpoint/2015/09/main" Requires="p159">
+      <p:transition xmlns:p14="http://schemas.microsoft.com/office/powerpoint/2010/main" p14:dur="300">
         <p159:morph option="byObject"/>
       </p:transition>
     </mc:Choice>
-    <mc:Fallback xmlns="">
-      <p:transition spd="slow">
+    <mc:Fallback>
+      <p:transition>
         <p:fade/>
       </p:transition>
     </mc:Fallback>
@@ -6755,18 +6827,260 @@
   <p:clrMapOvr>
     <a:masterClrMapping/>
   </p:clrMapOvr>
-  <mc:AlternateContent xmlns:mc="http://schemas.openxmlformats.org/markup-compatibility/2006" xmlns:p159="http://schemas.microsoft.com/office/powerpoint/2015/09/main">
-    <mc:Choice Requires="p159">
-      <p:transition xmlns:p14="http://schemas.microsoft.com/office/powerpoint/2010/main" spd="slow" p14:dur="2000">
+  <mc:AlternateContent xmlns:mc="http://schemas.openxmlformats.org/markup-compatibility/2006">
+    <mc:Choice xmlns:p159="http://schemas.microsoft.com/office/powerpoint/2015/09/main" Requires="p159">
+      <p:transition xmlns:p14="http://schemas.microsoft.com/office/powerpoint/2010/main" p14:dur="300">
         <p159:morph option="byObject"/>
       </p:transition>
     </mc:Choice>
-    <mc:Fallback xmlns="">
-      <p:transition spd="slow">
+    <mc:Fallback>
+      <p:transition>
         <p:fade/>
       </p:transition>
     </mc:Fallback>
   </mc:AlternateContent>
+  <p:timing>
+    <p:tnLst>
+      <p:par>
+        <p:cTn id="1" dur="indefinite" restart="never" nodeType="tmRoot">
+          <p:childTnLst>
+            <p:seq concurrent="1" nextAc="seek">
+              <p:cTn id="2" dur="indefinite" nodeType="mainSeq">
+                <p:childTnLst>
+                  <p:par>
+                    <p:cTn id="3" fill="hold">
+                      <p:stCondLst>
+                        <p:cond delay="indefinite"/>
+                      </p:stCondLst>
+                      <p:childTnLst>
+                        <p:par>
+                          <p:cTn id="4" fill="hold">
+                            <p:stCondLst>
+                              <p:cond delay="0"/>
+                            </p:stCondLst>
+                            <p:childTnLst>
+                              <p:par>
+                                <p:cTn id="5" presetID="1" presetClass="entr" presetSubtype="0" fill="hold" grpId="0" nodeType="clickEffect">
+                                  <p:stCondLst>
+                                    <p:cond delay="0"/>
+                                  </p:stCondLst>
+                                  <p:childTnLst>
+                                    <p:set>
+                                      <p:cBhvr>
+                                        <p:cTn id="6" dur="1" fill="hold">
+                                          <p:stCondLst>
+                                            <p:cond delay="9"/>
+                                          </p:stCondLst>
+                                        </p:cTn>
+                                        <p:tgtEl>
+                                          <p:spTgt spid="3"/>
+                                        </p:tgtEl>
+                                        <p:attrNameLst>
+                                          <p:attrName>style.visibility</p:attrName>
+                                        </p:attrNameLst>
+                                      </p:cBhvr>
+                                      <p:to>
+                                        <p:strVal val="visible"/>
+                                      </p:to>
+                                    </p:set>
+                                  </p:childTnLst>
+                                </p:cTn>
+                              </p:par>
+                            </p:childTnLst>
+                          </p:cTn>
+                        </p:par>
+                      </p:childTnLst>
+                    </p:cTn>
+                  </p:par>
+                  <p:par>
+                    <p:cTn id="7" fill="hold">
+                      <p:stCondLst>
+                        <p:cond delay="indefinite"/>
+                      </p:stCondLst>
+                      <p:childTnLst>
+                        <p:par>
+                          <p:cTn id="8" fill="hold">
+                            <p:stCondLst>
+                              <p:cond delay="0"/>
+                            </p:stCondLst>
+                            <p:childTnLst>
+                              <p:par>
+                                <p:cTn id="9" presetID="1" presetClass="entr" presetSubtype="0" fill="hold" nodeType="clickEffect">
+                                  <p:stCondLst>
+                                    <p:cond delay="0"/>
+                                  </p:stCondLst>
+                                  <p:childTnLst>
+                                    <p:set>
+                                      <p:cBhvr>
+                                        <p:cTn id="10" dur="1" fill="hold">
+                                          <p:stCondLst>
+                                            <p:cond delay="9"/>
+                                          </p:stCondLst>
+                                        </p:cTn>
+                                        <p:tgtEl>
+                                          <p:spTgt spid="12294"/>
+                                        </p:tgtEl>
+                                        <p:attrNameLst>
+                                          <p:attrName>style.visibility</p:attrName>
+                                        </p:attrNameLst>
+                                      </p:cBhvr>
+                                      <p:to>
+                                        <p:strVal val="visible"/>
+                                      </p:to>
+                                    </p:set>
+                                  </p:childTnLst>
+                                </p:cTn>
+                              </p:par>
+                              <p:par>
+                                <p:cTn id="11" presetID="1" presetClass="entr" presetSubtype="0" fill="hold" grpId="0" nodeType="withEffect">
+                                  <p:stCondLst>
+                                    <p:cond delay="0"/>
+                                  </p:stCondLst>
+                                  <p:childTnLst>
+                                    <p:set>
+                                      <p:cBhvr>
+                                        <p:cTn id="12" dur="1" fill="hold">
+                                          <p:stCondLst>
+                                            <p:cond delay="0"/>
+                                          </p:stCondLst>
+                                        </p:cTn>
+                                        <p:tgtEl>
+                                          <p:spTgt spid="10"/>
+                                        </p:tgtEl>
+                                        <p:attrNameLst>
+                                          <p:attrName>style.visibility</p:attrName>
+                                        </p:attrNameLst>
+                                      </p:cBhvr>
+                                      <p:to>
+                                        <p:strVal val="visible"/>
+                                      </p:to>
+                                    </p:set>
+                                  </p:childTnLst>
+                                </p:cTn>
+                              </p:par>
+                            </p:childTnLst>
+                          </p:cTn>
+                        </p:par>
+                      </p:childTnLst>
+                    </p:cTn>
+                  </p:par>
+                  <p:par>
+                    <p:cTn id="13" fill="hold">
+                      <p:stCondLst>
+                        <p:cond delay="indefinite"/>
+                      </p:stCondLst>
+                      <p:childTnLst>
+                        <p:par>
+                          <p:cTn id="14" fill="hold">
+                            <p:stCondLst>
+                              <p:cond delay="0"/>
+                            </p:stCondLst>
+                            <p:childTnLst>
+                              <p:par>
+                                <p:cTn id="15" presetID="1" presetClass="entr" presetSubtype="0" fill="hold" grpId="0" nodeType="clickEffect">
+                                  <p:stCondLst>
+                                    <p:cond delay="0"/>
+                                  </p:stCondLst>
+                                  <p:childTnLst>
+                                    <p:set>
+                                      <p:cBhvr>
+                                        <p:cTn id="16" dur="1" fill="hold">
+                                          <p:stCondLst>
+                                            <p:cond delay="9"/>
+                                          </p:stCondLst>
+                                        </p:cTn>
+                                        <p:tgtEl>
+                                          <p:spTgt spid="8"/>
+                                        </p:tgtEl>
+                                        <p:attrNameLst>
+                                          <p:attrName>style.visibility</p:attrName>
+                                        </p:attrNameLst>
+                                      </p:cBhvr>
+                                      <p:to>
+                                        <p:strVal val="visible"/>
+                                      </p:to>
+                                    </p:set>
+                                  </p:childTnLst>
+                                </p:cTn>
+                              </p:par>
+                            </p:childTnLst>
+                          </p:cTn>
+                        </p:par>
+                      </p:childTnLst>
+                    </p:cTn>
+                  </p:par>
+                  <p:par>
+                    <p:cTn id="17" fill="hold">
+                      <p:stCondLst>
+                        <p:cond delay="indefinite"/>
+                      </p:stCondLst>
+                      <p:childTnLst>
+                        <p:par>
+                          <p:cTn id="18" fill="hold">
+                            <p:stCondLst>
+                              <p:cond delay="0"/>
+                            </p:stCondLst>
+                            <p:childTnLst>
+                              <p:par>
+                                <p:cTn id="19" presetID="1" presetClass="entr" presetSubtype="0" fill="hold" nodeType="clickEffect">
+                                  <p:stCondLst>
+                                    <p:cond delay="0"/>
+                                  </p:stCondLst>
+                                  <p:childTnLst>
+                                    <p:set>
+                                      <p:cBhvr>
+                                        <p:cTn id="20" dur="1" fill="hold">
+                                          <p:stCondLst>
+                                            <p:cond delay="9"/>
+                                          </p:stCondLst>
+                                        </p:cTn>
+                                        <p:tgtEl>
+                                          <p:spTgt spid="12290"/>
+                                        </p:tgtEl>
+                                        <p:attrNameLst>
+                                          <p:attrName>style.visibility</p:attrName>
+                                        </p:attrNameLst>
+                                      </p:cBhvr>
+                                      <p:to>
+                                        <p:strVal val="visible"/>
+                                      </p:to>
+                                    </p:set>
+                                  </p:childTnLst>
+                                </p:cTn>
+                              </p:par>
+                            </p:childTnLst>
+                          </p:cTn>
+                        </p:par>
+                      </p:childTnLst>
+                    </p:cTn>
+                  </p:par>
+                </p:childTnLst>
+              </p:cTn>
+              <p:prevCondLst>
+                <p:cond evt="onPrev" delay="0">
+                  <p:tgtEl>
+                    <p:sldTgt/>
+                  </p:tgtEl>
+                </p:cond>
+              </p:prevCondLst>
+              <p:nextCondLst>
+                <p:cond evt="onNext" delay="0">
+                  <p:tgtEl>
+                    <p:sldTgt/>
+                  </p:tgtEl>
+                </p:cond>
+              </p:nextCondLst>
+            </p:seq>
+          </p:childTnLst>
+        </p:cTn>
+      </p:par>
+    </p:tnLst>
+    <p:bldLst>
+      <p:bldP spid="3" grpId="0"/>
+      <p:bldP spid="8" grpId="0"/>
+      <p:bldP spid="10" grpId="0"/>
+    </p:bldLst>
+  </p:timing>
 </p:sld>
 </file>
 
@@ -7011,14 +7325,14 @@
   <p:clrMapOvr>
     <a:masterClrMapping/>
   </p:clrMapOvr>
-  <mc:AlternateContent xmlns:mc="http://schemas.openxmlformats.org/markup-compatibility/2006" xmlns:p159="http://schemas.microsoft.com/office/powerpoint/2015/09/main">
-    <mc:Choice Requires="p159">
-      <p:transition xmlns:p14="http://schemas.microsoft.com/office/powerpoint/2010/main" spd="slow" p14:dur="2000">
+  <mc:AlternateContent xmlns:mc="http://schemas.openxmlformats.org/markup-compatibility/2006">
+    <mc:Choice xmlns:p159="http://schemas.microsoft.com/office/powerpoint/2015/09/main" Requires="p159">
+      <p:transition xmlns:p14="http://schemas.microsoft.com/office/powerpoint/2010/main" p14:dur="300">
         <p159:morph option="byObject"/>
       </p:transition>
     </mc:Choice>
-    <mc:Fallback xmlns="">
-      <p:transition spd="slow">
+    <mc:Fallback>
+      <p:transition>
         <p:fade/>
       </p:transition>
     </mc:Fallback>
@@ -7346,14 +7660,14 @@
   <p:clrMapOvr>
     <a:masterClrMapping/>
   </p:clrMapOvr>
-  <mc:AlternateContent xmlns:mc="http://schemas.openxmlformats.org/markup-compatibility/2006" xmlns:p159="http://schemas.microsoft.com/office/powerpoint/2015/09/main">
-    <mc:Choice Requires="p159">
-      <p:transition xmlns:p14="http://schemas.microsoft.com/office/powerpoint/2010/main" spd="slow" p14:dur="2000">
+  <mc:AlternateContent xmlns:mc="http://schemas.openxmlformats.org/markup-compatibility/2006">
+    <mc:Choice xmlns:p159="http://schemas.microsoft.com/office/powerpoint/2015/09/main" Requires="p159">
+      <p:transition xmlns:p14="http://schemas.microsoft.com/office/powerpoint/2010/main" p14:dur="300">
         <p159:morph option="byObject"/>
       </p:transition>
     </mc:Choice>
-    <mc:Fallback xmlns="">
-      <p:transition spd="slow">
+    <mc:Fallback>
+      <p:transition>
         <p:fade/>
       </p:transition>
     </mc:Fallback>

--- a/temp/AluminiSession/KnowledgeGraphs.pptx
+++ b/temp/AluminiSession/KnowledgeGraphs.pptx
@@ -702,13 +702,13 @@
   <p:clrMapOvr>
     <a:masterClrMapping/>
   </p:clrMapOvr>
-  <mc:AlternateContent xmlns:mc="http://schemas.openxmlformats.org/markup-compatibility/2006">
-    <mc:Choice xmlns:p159="http://schemas.microsoft.com/office/powerpoint/2015/09/main" Requires="p159">
+  <mc:AlternateContent xmlns:mc="http://schemas.openxmlformats.org/markup-compatibility/2006" xmlns:p159="http://schemas.microsoft.com/office/powerpoint/2015/09/main">
+    <mc:Choice Requires="p159">
       <p:transition xmlns:p14="http://schemas.microsoft.com/office/powerpoint/2010/main" p14:dur="300">
         <p159:morph option="byObject"/>
       </p:transition>
     </mc:Choice>
-    <mc:Fallback>
+    <mc:Fallback xmlns="">
       <p:transition>
         <p:fade/>
       </p:transition>
@@ -927,13 +927,13 @@
   <p:clrMapOvr>
     <a:masterClrMapping/>
   </p:clrMapOvr>
-  <mc:AlternateContent xmlns:mc="http://schemas.openxmlformats.org/markup-compatibility/2006">
-    <mc:Choice xmlns:p159="http://schemas.microsoft.com/office/powerpoint/2015/09/main" Requires="p159">
+  <mc:AlternateContent xmlns:mc="http://schemas.openxmlformats.org/markup-compatibility/2006" xmlns:p159="http://schemas.microsoft.com/office/powerpoint/2015/09/main">
+    <mc:Choice Requires="p159">
       <p:transition xmlns:p14="http://schemas.microsoft.com/office/powerpoint/2010/main" p14:dur="300">
         <p159:morph option="byObject"/>
       </p:transition>
     </mc:Choice>
-    <mc:Fallback>
+    <mc:Fallback xmlns="">
       <p:transition>
         <p:fade/>
       </p:transition>
@@ -1151,13 +1151,13 @@
   <p:clrMapOvr>
     <a:masterClrMapping/>
   </p:clrMapOvr>
-  <mc:AlternateContent xmlns:mc="http://schemas.openxmlformats.org/markup-compatibility/2006">
-    <mc:Choice xmlns:p159="http://schemas.microsoft.com/office/powerpoint/2015/09/main" Requires="p159">
+  <mc:AlternateContent xmlns:mc="http://schemas.openxmlformats.org/markup-compatibility/2006" xmlns:p159="http://schemas.microsoft.com/office/powerpoint/2015/09/main">
+    <mc:Choice Requires="p159">
       <p:transition xmlns:p14="http://schemas.microsoft.com/office/powerpoint/2010/main" p14:dur="300">
         <p159:morph option="byObject"/>
       </p:transition>
     </mc:Choice>
-    <mc:Fallback>
+    <mc:Fallback xmlns="">
       <p:transition>
         <p:fade/>
       </p:transition>
@@ -1364,13 +1364,13 @@
   <p:clrMapOvr>
     <a:masterClrMapping/>
   </p:clrMapOvr>
-  <mc:AlternateContent xmlns:mc="http://schemas.openxmlformats.org/markup-compatibility/2006">
-    <mc:Choice xmlns:p159="http://schemas.microsoft.com/office/powerpoint/2015/09/main" Requires="p159">
+  <mc:AlternateContent xmlns:mc="http://schemas.openxmlformats.org/markup-compatibility/2006" xmlns:p159="http://schemas.microsoft.com/office/powerpoint/2015/09/main">
+    <mc:Choice Requires="p159">
       <p:transition xmlns:p14="http://schemas.microsoft.com/office/powerpoint/2010/main" p14:dur="300">
         <p159:morph option="byObject"/>
       </p:transition>
     </mc:Choice>
-    <mc:Fallback>
+    <mc:Fallback xmlns="">
       <p:transition>
         <p:fade/>
       </p:transition>
@@ -1659,13 +1659,13 @@
   <p:clrMapOvr>
     <a:masterClrMapping/>
   </p:clrMapOvr>
-  <mc:AlternateContent xmlns:mc="http://schemas.openxmlformats.org/markup-compatibility/2006">
-    <mc:Choice xmlns:p159="http://schemas.microsoft.com/office/powerpoint/2015/09/main" Requires="p159">
+  <mc:AlternateContent xmlns:mc="http://schemas.openxmlformats.org/markup-compatibility/2006" xmlns:p159="http://schemas.microsoft.com/office/powerpoint/2015/09/main">
+    <mc:Choice Requires="p159">
       <p:transition xmlns:p14="http://schemas.microsoft.com/office/powerpoint/2010/main" p14:dur="300">
         <p159:morph option="byObject"/>
       </p:transition>
     </mc:Choice>
-    <mc:Fallback>
+    <mc:Fallback xmlns="">
       <p:transition>
         <p:fade/>
       </p:transition>
@@ -1983,13 +1983,13 @@
   <p:clrMapOvr>
     <a:masterClrMapping/>
   </p:clrMapOvr>
-  <mc:AlternateContent xmlns:mc="http://schemas.openxmlformats.org/markup-compatibility/2006">
-    <mc:Choice xmlns:p159="http://schemas.microsoft.com/office/powerpoint/2015/09/main" Requires="p159">
+  <mc:AlternateContent xmlns:mc="http://schemas.openxmlformats.org/markup-compatibility/2006" xmlns:p159="http://schemas.microsoft.com/office/powerpoint/2015/09/main">
+    <mc:Choice Requires="p159">
       <p:transition xmlns:p14="http://schemas.microsoft.com/office/powerpoint/2010/main" p14:dur="300">
         <p159:morph option="byObject"/>
       </p:transition>
     </mc:Choice>
-    <mc:Fallback>
+    <mc:Fallback xmlns="">
       <p:transition>
         <p:fade/>
       </p:transition>
@@ -2416,13 +2416,13 @@
   <p:clrMapOvr>
     <a:masterClrMapping/>
   </p:clrMapOvr>
-  <mc:AlternateContent xmlns:mc="http://schemas.openxmlformats.org/markup-compatibility/2006">
-    <mc:Choice xmlns:p159="http://schemas.microsoft.com/office/powerpoint/2015/09/main" Requires="p159">
+  <mc:AlternateContent xmlns:mc="http://schemas.openxmlformats.org/markup-compatibility/2006" xmlns:p159="http://schemas.microsoft.com/office/powerpoint/2015/09/main">
+    <mc:Choice Requires="p159">
       <p:transition xmlns:p14="http://schemas.microsoft.com/office/powerpoint/2010/main" p14:dur="300">
         <p159:morph option="byObject"/>
       </p:transition>
     </mc:Choice>
-    <mc:Fallback>
+    <mc:Fallback xmlns="">
       <p:transition>
         <p:fade/>
       </p:transition>
@@ -2578,13 +2578,13 @@
   <p:clrMapOvr>
     <a:masterClrMapping/>
   </p:clrMapOvr>
-  <mc:AlternateContent xmlns:mc="http://schemas.openxmlformats.org/markup-compatibility/2006">
-    <mc:Choice xmlns:p159="http://schemas.microsoft.com/office/powerpoint/2015/09/main" Requires="p159">
+  <mc:AlternateContent xmlns:mc="http://schemas.openxmlformats.org/markup-compatibility/2006" xmlns:p159="http://schemas.microsoft.com/office/powerpoint/2015/09/main">
+    <mc:Choice Requires="p159">
       <p:transition xmlns:p14="http://schemas.microsoft.com/office/powerpoint/2010/main" p14:dur="300">
         <p159:morph option="byObject"/>
       </p:transition>
     </mc:Choice>
-    <mc:Fallback>
+    <mc:Fallback xmlns="">
       <p:transition>
         <p:fade/>
       </p:transition>
@@ -2706,13 +2706,13 @@
   <p:clrMapOvr>
     <a:masterClrMapping/>
   </p:clrMapOvr>
-  <mc:AlternateContent xmlns:mc="http://schemas.openxmlformats.org/markup-compatibility/2006">
-    <mc:Choice xmlns:p159="http://schemas.microsoft.com/office/powerpoint/2015/09/main" Requires="p159">
+  <mc:AlternateContent xmlns:mc="http://schemas.openxmlformats.org/markup-compatibility/2006" xmlns:p159="http://schemas.microsoft.com/office/powerpoint/2015/09/main">
+    <mc:Choice Requires="p159">
       <p:transition xmlns:p14="http://schemas.microsoft.com/office/powerpoint/2010/main" p14:dur="300">
         <p159:morph option="byObject"/>
       </p:transition>
     </mc:Choice>
-    <mc:Fallback>
+    <mc:Fallback xmlns="">
       <p:transition>
         <p:fade/>
       </p:transition>
@@ -3034,13 +3034,13 @@
   <p:clrMapOvr>
     <a:masterClrMapping/>
   </p:clrMapOvr>
-  <mc:AlternateContent xmlns:mc="http://schemas.openxmlformats.org/markup-compatibility/2006">
-    <mc:Choice xmlns:p159="http://schemas.microsoft.com/office/powerpoint/2015/09/main" Requires="p159">
+  <mc:AlternateContent xmlns:mc="http://schemas.openxmlformats.org/markup-compatibility/2006" xmlns:p159="http://schemas.microsoft.com/office/powerpoint/2015/09/main">
+    <mc:Choice Requires="p159">
       <p:transition xmlns:p14="http://schemas.microsoft.com/office/powerpoint/2010/main" p14:dur="300">
         <p159:morph option="byObject"/>
       </p:transition>
     </mc:Choice>
-    <mc:Fallback>
+    <mc:Fallback xmlns="">
       <p:transition>
         <p:fade/>
       </p:transition>
@@ -3346,13 +3346,13 @@
   <p:clrMapOvr>
     <a:masterClrMapping/>
   </p:clrMapOvr>
-  <mc:AlternateContent xmlns:mc="http://schemas.openxmlformats.org/markup-compatibility/2006">
-    <mc:Choice xmlns:p159="http://schemas.microsoft.com/office/powerpoint/2015/09/main" Requires="p159">
+  <mc:AlternateContent xmlns:mc="http://schemas.openxmlformats.org/markup-compatibility/2006" xmlns:p159="http://schemas.microsoft.com/office/powerpoint/2015/09/main">
+    <mc:Choice Requires="p159">
       <p:transition xmlns:p14="http://schemas.microsoft.com/office/powerpoint/2010/main" p14:dur="300">
         <p159:morph option="byObject"/>
       </p:transition>
     </mc:Choice>
-    <mc:Fallback>
+    <mc:Fallback xmlns="">
       <p:transition>
         <p:fade/>
       </p:transition>
@@ -3645,13 +3645,13 @@
     <p:sldLayoutId id="2147483662" r:id="rId10"/>
     <p:sldLayoutId id="2147483661" r:id="rId11"/>
   </p:sldLayoutIdLst>
-  <mc:AlternateContent xmlns:mc="http://schemas.openxmlformats.org/markup-compatibility/2006">
-    <mc:Choice xmlns:p159="http://schemas.microsoft.com/office/powerpoint/2015/09/main" Requires="p159">
+  <mc:AlternateContent xmlns:mc="http://schemas.openxmlformats.org/markup-compatibility/2006" xmlns:p159="http://schemas.microsoft.com/office/powerpoint/2015/09/main">
+    <mc:Choice Requires="p159">
       <p:transition xmlns:p14="http://schemas.microsoft.com/office/powerpoint/2010/main" p14:dur="300">
         <p159:morph option="byObject"/>
       </p:transition>
     </mc:Choice>
-    <mc:Fallback>
+    <mc:Fallback xmlns="">
       <p:transition>
         <p:fade/>
       </p:transition>
@@ -4070,13 +4070,13 @@
   <p:clrMapOvr>
     <a:masterClrMapping/>
   </p:clrMapOvr>
-  <mc:AlternateContent xmlns:mc="http://schemas.openxmlformats.org/markup-compatibility/2006">
-    <mc:Choice xmlns:p159="http://schemas.microsoft.com/office/powerpoint/2015/09/main" Requires="p159">
+  <mc:AlternateContent xmlns:mc="http://schemas.openxmlformats.org/markup-compatibility/2006" xmlns:p159="http://schemas.microsoft.com/office/powerpoint/2015/09/main">
+    <mc:Choice Requires="p159">
       <p:transition xmlns:p14="http://schemas.microsoft.com/office/powerpoint/2010/main" p14:dur="300">
         <p159:morph option="byObject"/>
       </p:transition>
     </mc:Choice>
-    <mc:Fallback>
+    <mc:Fallback xmlns="">
       <p:transition>
         <p:fade/>
       </p:transition>
@@ -4353,6 +4353,53 @@
           </a:p>
         </p:txBody>
       </p:sp>
+      <p:pic>
+        <p:nvPicPr>
+          <p:cNvPr id="1026" name="Picture 2" descr="3 Reasons Why We Are Far From Achieving Artificial General Intelligence ...">
+            <a:extLst>
+              <a:ext uri="{FF2B5EF4-FFF2-40B4-BE49-F238E27FC236}">
+                <a16:creationId xmlns:a16="http://schemas.microsoft.com/office/drawing/2014/main" id="{FACC9BE5-F30D-29B5-841E-A37079EC60C4}"/>
+              </a:ext>
+            </a:extLst>
+          </p:cNvPr>
+          <p:cNvPicPr>
+            <a:picLocks noChangeAspect="1" noChangeArrowheads="1"/>
+          </p:cNvPicPr>
+          <p:nvPr/>
+        </p:nvPicPr>
+        <p:blipFill>
+          <a:blip r:embed="rId2">
+            <a:extLst>
+              <a:ext uri="{28A0092B-C50C-407E-A947-70E740481C1C}">
+                <a14:useLocalDpi xmlns:a14="http://schemas.microsoft.com/office/drawing/2010/main" val="0"/>
+              </a:ext>
+            </a:extLst>
+          </a:blip>
+          <a:srcRect/>
+          <a:stretch>
+            <a:fillRect/>
+          </a:stretch>
+        </p:blipFill>
+        <p:spPr bwMode="auto">
+          <a:xfrm>
+            <a:off x="1014724" y="1647793"/>
+            <a:ext cx="7500601" cy="4513636"/>
+          </a:xfrm>
+          <a:prstGeom prst="rect">
+            <a:avLst/>
+          </a:prstGeom>
+          <a:noFill/>
+          <a:extLst>
+            <a:ext uri="{909E8E84-426E-40DD-AFC4-6F175D3DCCD1}">
+              <a14:hiddenFill xmlns:a14="http://schemas.microsoft.com/office/drawing/2010/main">
+                <a:solidFill>
+                  <a:srgbClr val="FFFFFF"/>
+                </a:solidFill>
+              </a14:hiddenFill>
+            </a:ext>
+          </a:extLst>
+        </p:spPr>
+      </p:pic>
     </p:spTree>
     <p:extLst>
       <p:ext uri="{BB962C8B-B14F-4D97-AF65-F5344CB8AC3E}">
@@ -4363,13 +4410,13 @@
   <p:clrMapOvr>
     <a:masterClrMapping/>
   </p:clrMapOvr>
-  <mc:AlternateContent xmlns:mc="http://schemas.openxmlformats.org/markup-compatibility/2006">
-    <mc:Choice xmlns:p159="http://schemas.microsoft.com/office/powerpoint/2015/09/main" Requires="p159">
+  <mc:AlternateContent xmlns:mc="http://schemas.openxmlformats.org/markup-compatibility/2006" xmlns:p159="http://schemas.microsoft.com/office/powerpoint/2015/09/main">
+    <mc:Choice Requires="p159">
       <p:transition xmlns:p14="http://schemas.microsoft.com/office/powerpoint/2010/main" p14:dur="300">
         <p159:morph option="byObject"/>
       </p:transition>
     </mc:Choice>
-    <mc:Fallback>
+    <mc:Fallback xmlns="">
       <p:transition>
         <p:fade/>
       </p:transition>
@@ -4542,7 +4589,7 @@
         <p:spPr>
           <a:xfrm>
             <a:off x="451867" y="1426263"/>
-            <a:ext cx="6648729" cy="5262979"/>
+            <a:ext cx="6648729" cy="1631216"/>
           </a:xfrm>
           <a:prstGeom prst="rect">
             <a:avLst/>
@@ -4570,109 +4617,6 @@
               <a:rPr lang="en-US" sz="2400" dirty="0"/>
               <a:t>Knowledge Graphs serve as a powerful tool in organizing and leveraging information for various applications.</a:t>
             </a:r>
-          </a:p>
-          <a:p>
-            <a:endParaRPr lang="en-US" sz="2400" dirty="0"/>
-          </a:p>
-          <a:p>
-            <a:r>
-              <a:rPr lang="en-US" sz="2800" b="1" dirty="0" err="1">
-                <a:solidFill>
-                  <a:srgbClr val="21EA06"/>
-                </a:solidFill>
-              </a:rPr>
-              <a:t>Ghar</a:t>
-            </a:r>
-            <a:r>
-              <a:rPr lang="en-US" sz="2800" b="1" dirty="0">
-                <a:solidFill>
-                  <a:srgbClr val="21EA06"/>
-                </a:solidFill>
-              </a:rPr>
-              <a:t> Jake?? ….</a:t>
-            </a:r>
-          </a:p>
-          <a:p>
-            <a:endParaRPr lang="en-US" sz="2800" b="1" dirty="0">
-              <a:solidFill>
-                <a:srgbClr val="21EA06"/>
-              </a:solidFill>
-            </a:endParaRPr>
-          </a:p>
-          <a:p>
-            <a:r>
-              <a:rPr lang="en-US" sz="2800" b="1" dirty="0">
-                <a:solidFill>
-                  <a:schemeClr val="accent1">
-                    <a:lumMod val="60000"/>
-                    <a:lumOff val="40000"/>
-                  </a:schemeClr>
-                </a:solidFill>
-              </a:rPr>
-              <a:t>Ontology ,CQL, SPARQL, Neo4j, </a:t>
-            </a:r>
-            <a:r>
-              <a:rPr lang="en-US" sz="2800" b="1" dirty="0" err="1">
-                <a:solidFill>
-                  <a:schemeClr val="accent1">
-                    <a:lumMod val="60000"/>
-                    <a:lumOff val="40000"/>
-                  </a:schemeClr>
-                </a:solidFill>
-              </a:rPr>
-              <a:t>rdf</a:t>
-            </a:r>
-            <a:r>
-              <a:rPr lang="en-US" sz="2800" b="1" dirty="0">
-                <a:solidFill>
-                  <a:schemeClr val="accent1">
-                    <a:lumMod val="60000"/>
-                    <a:lumOff val="40000"/>
-                  </a:schemeClr>
-                </a:solidFill>
-              </a:rPr>
-              <a:t>, </a:t>
-            </a:r>
-            <a:r>
-              <a:rPr lang="en-US" sz="2800" b="1" dirty="0" err="1">
-                <a:solidFill>
-                  <a:schemeClr val="accent1">
-                    <a:lumMod val="60000"/>
-                    <a:lumOff val="40000"/>
-                  </a:schemeClr>
-                </a:solidFill>
-              </a:rPr>
-              <a:t>svo</a:t>
-            </a:r>
-            <a:r>
-              <a:rPr lang="en-US" sz="2800" b="1" dirty="0">
-                <a:solidFill>
-                  <a:schemeClr val="accent1">
-                    <a:lumMod val="60000"/>
-                    <a:lumOff val="40000"/>
-                  </a:schemeClr>
-                </a:solidFill>
-              </a:rPr>
-              <a:t> triplets……</a:t>
-            </a:r>
-          </a:p>
-          <a:p>
-            <a:endParaRPr lang="en-US" sz="2400" dirty="0"/>
-          </a:p>
-          <a:p>
-            <a:r>
-              <a:rPr lang="en-US" sz="2800" b="1" dirty="0">
-                <a:solidFill>
-                  <a:srgbClr val="21EA06"/>
-                </a:solidFill>
-              </a:rPr>
-              <a:t>Future trends: </a:t>
-            </a:r>
-            <a:r>
-              <a:rPr lang="en-US" sz="2400" dirty="0"/>
-              <a:t>Explore ongoing advancements, such as the integration of AI and machine learning in Knowledge Graphs.</a:t>
-            </a:r>
-            <a:endParaRPr lang="en-IN" sz="2400" dirty="0"/>
           </a:p>
         </p:txBody>
       </p:sp>
@@ -4756,6 +4700,207 @@
           </a:extLst>
         </p:spPr>
       </p:pic>
+      <p:sp>
+        <p:nvSpPr>
+          <p:cNvPr id="7" name="TextBox 6">
+            <a:extLst>
+              <a:ext uri="{FF2B5EF4-FFF2-40B4-BE49-F238E27FC236}">
+                <a16:creationId xmlns:a16="http://schemas.microsoft.com/office/drawing/2014/main" id="{EED65DDF-C8BA-0FD4-822B-A4ED8E2825BF}"/>
+              </a:ext>
+            </a:extLst>
+          </p:cNvPr>
+          <p:cNvSpPr txBox="1"/>
+          <p:nvPr/>
+        </p:nvSpPr>
+        <p:spPr>
+          <a:xfrm>
+            <a:off x="451867" y="2830150"/>
+            <a:ext cx="6648729" cy="1077218"/>
+          </a:xfrm>
+          <a:prstGeom prst="rect">
+            <a:avLst/>
+          </a:prstGeom>
+          <a:noFill/>
+        </p:spPr>
+        <p:txBody>
+          <a:bodyPr wrap="square" rtlCol="0">
+            <a:spAutoFit/>
+          </a:bodyPr>
+          <a:lstStyle/>
+          <a:p>
+            <a:endParaRPr lang="en-US" sz="2400" dirty="0"/>
+          </a:p>
+          <a:p>
+            <a:r>
+              <a:rPr lang="en-US" sz="4000" b="1" dirty="0" err="1">
+                <a:solidFill>
+                  <a:schemeClr val="accent6"/>
+                </a:solidFill>
+              </a:rPr>
+              <a:t>Ghar</a:t>
+            </a:r>
+            <a:r>
+              <a:rPr lang="en-US" sz="4000" b="1" dirty="0">
+                <a:solidFill>
+                  <a:schemeClr val="accent6"/>
+                </a:solidFill>
+              </a:rPr>
+              <a:t> Ja </a:t>
+            </a:r>
+            <a:r>
+              <a:rPr lang="en-US" sz="4000" b="1" dirty="0" err="1">
+                <a:solidFill>
+                  <a:schemeClr val="accent6"/>
+                </a:solidFill>
+              </a:rPr>
+              <a:t>ke</a:t>
+            </a:r>
+            <a:r>
+              <a:rPr lang="en-US" sz="4000" b="1" dirty="0">
+                <a:solidFill>
+                  <a:schemeClr val="accent6"/>
+                </a:solidFill>
+              </a:rPr>
+              <a:t>?? ….</a:t>
+            </a:r>
+          </a:p>
+        </p:txBody>
+      </p:sp>
+      <p:sp>
+        <p:nvSpPr>
+          <p:cNvPr id="8" name="TextBox 7">
+            <a:extLst>
+              <a:ext uri="{FF2B5EF4-FFF2-40B4-BE49-F238E27FC236}">
+                <a16:creationId xmlns:a16="http://schemas.microsoft.com/office/drawing/2014/main" id="{AA40BE1A-804C-CFB1-CC90-0B6A433721C9}"/>
+              </a:ext>
+            </a:extLst>
+          </p:cNvPr>
+          <p:cNvSpPr txBox="1"/>
+          <p:nvPr/>
+        </p:nvSpPr>
+        <p:spPr>
+          <a:xfrm>
+            <a:off x="480403" y="4928129"/>
+            <a:ext cx="6648729" cy="1631216"/>
+          </a:xfrm>
+          <a:prstGeom prst="rect">
+            <a:avLst/>
+          </a:prstGeom>
+          <a:noFill/>
+        </p:spPr>
+        <p:txBody>
+          <a:bodyPr wrap="square" rtlCol="0">
+            <a:spAutoFit/>
+          </a:bodyPr>
+          <a:lstStyle/>
+          <a:p>
+            <a:endParaRPr lang="en-US" sz="2400" dirty="0"/>
+          </a:p>
+          <a:p>
+            <a:r>
+              <a:rPr lang="en-US" sz="2800" b="1" dirty="0">
+                <a:solidFill>
+                  <a:srgbClr val="21EA06"/>
+                </a:solidFill>
+              </a:rPr>
+              <a:t>Future trends: </a:t>
+            </a:r>
+            <a:r>
+              <a:rPr lang="en-US" sz="2400" dirty="0"/>
+              <a:t>Explore ongoing advancements, such as the integration of AI and machine learning in Knowledge Graphs.</a:t>
+            </a:r>
+            <a:endParaRPr lang="en-IN" sz="2400" dirty="0"/>
+          </a:p>
+        </p:txBody>
+      </p:sp>
+      <p:sp>
+        <p:nvSpPr>
+          <p:cNvPr id="9" name="TextBox 8">
+            <a:extLst>
+              <a:ext uri="{FF2B5EF4-FFF2-40B4-BE49-F238E27FC236}">
+                <a16:creationId xmlns:a16="http://schemas.microsoft.com/office/drawing/2014/main" id="{9E1218C4-5306-CE2D-3025-8E5B9F3BEC42}"/>
+              </a:ext>
+            </a:extLst>
+          </p:cNvPr>
+          <p:cNvSpPr txBox="1"/>
+          <p:nvPr/>
+        </p:nvSpPr>
+        <p:spPr>
+          <a:xfrm>
+            <a:off x="451867" y="3848362"/>
+            <a:ext cx="7263012" cy="954107"/>
+          </a:xfrm>
+          <a:prstGeom prst="rect">
+            <a:avLst/>
+          </a:prstGeom>
+          <a:noFill/>
+        </p:spPr>
+        <p:txBody>
+          <a:bodyPr wrap="square" rtlCol="0">
+            <a:spAutoFit/>
+          </a:bodyPr>
+          <a:lstStyle/>
+          <a:p>
+            <a:r>
+              <a:rPr lang="en-US" sz="2800" b="1" dirty="0">
+                <a:solidFill>
+                  <a:schemeClr val="accent1">
+                    <a:lumMod val="60000"/>
+                    <a:lumOff val="40000"/>
+                  </a:schemeClr>
+                </a:solidFill>
+              </a:rPr>
+              <a:t>Ontology ,CQL, SPARQL, </a:t>
+            </a:r>
+            <a:r>
+              <a:rPr lang="en-US" sz="2800" b="1" dirty="0" err="1">
+                <a:solidFill>
+                  <a:schemeClr val="accent1">
+                    <a:lumMod val="60000"/>
+                    <a:lumOff val="40000"/>
+                  </a:schemeClr>
+                </a:solidFill>
+              </a:rPr>
+              <a:t>rdf</a:t>
+            </a:r>
+            <a:r>
+              <a:rPr lang="en-US" sz="2800" b="1" dirty="0">
+                <a:solidFill>
+                  <a:schemeClr val="accent1">
+                    <a:lumMod val="60000"/>
+                    <a:lumOff val="40000"/>
+                  </a:schemeClr>
+                </a:solidFill>
+              </a:rPr>
+              <a:t>, </a:t>
+            </a:r>
+          </a:p>
+          <a:p>
+            <a:r>
+              <a:rPr lang="en-US" sz="2800" b="1" dirty="0" err="1">
+                <a:solidFill>
+                  <a:schemeClr val="accent1">
+                    <a:lumMod val="60000"/>
+                    <a:lumOff val="40000"/>
+                  </a:schemeClr>
+                </a:solidFill>
+              </a:rPr>
+              <a:t>svo</a:t>
+            </a:r>
+            <a:r>
+              <a:rPr lang="en-US" sz="2800" b="1" dirty="0">
+                <a:solidFill>
+                  <a:schemeClr val="accent1">
+                    <a:lumMod val="60000"/>
+                    <a:lumOff val="40000"/>
+                  </a:schemeClr>
+                </a:solidFill>
+              </a:rPr>
+              <a:t> triplets, Neo4j, ……</a:t>
+            </a:r>
+          </a:p>
+        </p:txBody>
+      </p:sp>
     </p:spTree>
     <p:extLst>
       <p:ext uri="{BB962C8B-B14F-4D97-AF65-F5344CB8AC3E}">
@@ -4766,13 +4911,13 @@
   <p:clrMapOvr>
     <a:masterClrMapping/>
   </p:clrMapOvr>
-  <mc:AlternateContent xmlns:mc="http://schemas.openxmlformats.org/markup-compatibility/2006">
-    <mc:Choice xmlns:p159="http://schemas.microsoft.com/office/powerpoint/2015/09/main" Requires="p159">
+  <mc:AlternateContent xmlns:mc="http://schemas.openxmlformats.org/markup-compatibility/2006" xmlns:p159="http://schemas.microsoft.com/office/powerpoint/2015/09/main">
+    <mc:Choice Requires="p159">
       <p:transition xmlns:p14="http://schemas.microsoft.com/office/powerpoint/2010/main" p14:dur="300">
         <p159:morph option="byObject"/>
       </p:transition>
     </mc:Choice>
-    <mc:Fallback>
+    <mc:Fallback xmlns="">
       <p:transition>
         <p:fade/>
       </p:transition>
@@ -4799,7 +4944,7 @@
                             </p:stCondLst>
                             <p:childTnLst>
                               <p:par>
-                                <p:cTn id="5" presetID="1" presetClass="entr" presetSubtype="0" fill="hold" nodeType="clickEffect">
+                                <p:cTn id="5" presetID="1" presetClass="entr" presetSubtype="0" fill="hold" grpId="0" nodeType="clickEffect">
                                   <p:stCondLst>
                                     <p:cond delay="0"/>
                                   </p:stCondLst>
@@ -4808,11 +4953,146 @@
                                       <p:cBhvr>
                                         <p:cTn id="6" dur="1" fill="hold">
                                           <p:stCondLst>
-                                            <p:cond delay="9"/>
+                                            <p:cond delay="0"/>
+                                          </p:stCondLst>
+                                        </p:cTn>
+                                        <p:tgtEl>
+                                          <p:spTgt spid="7"/>
+                                        </p:tgtEl>
+                                        <p:attrNameLst>
+                                          <p:attrName>style.visibility</p:attrName>
+                                        </p:attrNameLst>
+                                      </p:cBhvr>
+                                      <p:to>
+                                        <p:strVal val="visible"/>
+                                      </p:to>
+                                    </p:set>
+                                  </p:childTnLst>
+                                </p:cTn>
+                              </p:par>
+                            </p:childTnLst>
+                          </p:cTn>
+                        </p:par>
+                      </p:childTnLst>
+                    </p:cTn>
+                  </p:par>
+                  <p:par>
+                    <p:cTn id="7" fill="hold">
+                      <p:stCondLst>
+                        <p:cond delay="indefinite"/>
+                      </p:stCondLst>
+                      <p:childTnLst>
+                        <p:par>
+                          <p:cTn id="8" fill="hold">
+                            <p:stCondLst>
+                              <p:cond delay="0"/>
+                            </p:stCondLst>
+                            <p:childTnLst>
+                              <p:par>
+                                <p:cTn id="9" presetID="1" presetClass="entr" presetSubtype="0" fill="hold" grpId="0" nodeType="clickEffect">
+                                  <p:stCondLst>
+                                    <p:cond delay="0"/>
+                                  </p:stCondLst>
+                                  <p:childTnLst>
+                                    <p:set>
+                                      <p:cBhvr>
+                                        <p:cTn id="10" dur="1" fill="hold">
+                                          <p:stCondLst>
+                                            <p:cond delay="0"/>
+                                          </p:stCondLst>
+                                        </p:cTn>
+                                        <p:tgtEl>
+                                          <p:spTgt spid="9"/>
+                                        </p:tgtEl>
+                                        <p:attrNameLst>
+                                          <p:attrName>style.visibility</p:attrName>
+                                        </p:attrNameLst>
+                                      </p:cBhvr>
+                                      <p:to>
+                                        <p:strVal val="visible"/>
+                                      </p:to>
+                                    </p:set>
+                                  </p:childTnLst>
+                                </p:cTn>
+                              </p:par>
+                            </p:childTnLst>
+                          </p:cTn>
+                        </p:par>
+                      </p:childTnLst>
+                    </p:cTn>
+                  </p:par>
+                  <p:par>
+                    <p:cTn id="11" fill="hold">
+                      <p:stCondLst>
+                        <p:cond delay="indefinite"/>
+                      </p:stCondLst>
+                      <p:childTnLst>
+                        <p:par>
+                          <p:cTn id="12" fill="hold">
+                            <p:stCondLst>
+                              <p:cond delay="0"/>
+                            </p:stCondLst>
+                            <p:childTnLst>
+                              <p:par>
+                                <p:cTn id="13" presetID="1" presetClass="entr" presetSubtype="0" fill="hold" nodeType="clickEffect">
+                                  <p:stCondLst>
+                                    <p:cond delay="0"/>
+                                  </p:stCondLst>
+                                  <p:childTnLst>
+                                    <p:set>
+                                      <p:cBhvr>
+                                        <p:cTn id="14" dur="1" fill="hold">
+                                          <p:stCondLst>
+                                            <p:cond delay="0"/>
                                           </p:stCondLst>
                                         </p:cTn>
                                         <p:tgtEl>
                                           <p:spTgt spid="2050"/>
+                                        </p:tgtEl>
+                                        <p:attrNameLst>
+                                          <p:attrName>style.visibility</p:attrName>
+                                        </p:attrNameLst>
+                                      </p:cBhvr>
+                                      <p:to>
+                                        <p:strVal val="visible"/>
+                                      </p:to>
+                                    </p:set>
+                                  </p:childTnLst>
+                                </p:cTn>
+                              </p:par>
+                            </p:childTnLst>
+                          </p:cTn>
+                        </p:par>
+                      </p:childTnLst>
+                    </p:cTn>
+                  </p:par>
+                  <p:par>
+                    <p:cTn id="15" fill="hold">
+                      <p:stCondLst>
+                        <p:cond delay="indefinite"/>
+                      </p:stCondLst>
+                      <p:childTnLst>
+                        <p:par>
+                          <p:cTn id="16" fill="hold">
+                            <p:stCondLst>
+                              <p:cond delay="0"/>
+                            </p:stCondLst>
+                            <p:childTnLst>
+                              <p:par>
+                                <p:cTn id="17" presetID="1" presetClass="entr" presetSubtype="0" fill="hold" grpId="0" nodeType="clickEffect">
+                                  <p:stCondLst>
+                                    <p:cond delay="0"/>
+                                  </p:stCondLst>
+                                  <p:childTnLst>
+                                    <p:set>
+                                      <p:cBhvr>
+                                        <p:cTn id="18" dur="1" fill="hold">
+                                          <p:stCondLst>
+                                            <p:cond delay="0"/>
+                                          </p:stCondLst>
+                                        </p:cTn>
+                                        <p:tgtEl>
+                                          <p:spTgt spid="8"/>
                                         </p:tgtEl>
                                         <p:attrNameLst>
                                           <p:attrName>style.visibility</p:attrName>
@@ -4852,6 +5132,11 @@
         </p:cTn>
       </p:par>
     </p:tnLst>
+    <p:bldLst>
+      <p:bldP spid="7" grpId="0"/>
+      <p:bldP spid="8" grpId="0"/>
+      <p:bldP spid="9" grpId="0"/>
+    </p:bldLst>
   </p:timing>
 </p:sld>
 </file>
@@ -5045,13 +5330,13 @@
   <p:clrMapOvr>
     <a:masterClrMapping/>
   </p:clrMapOvr>
-  <mc:AlternateContent xmlns:mc="http://schemas.openxmlformats.org/markup-compatibility/2006">
-    <mc:Choice xmlns:p159="http://schemas.microsoft.com/office/powerpoint/2015/09/main" Requires="p159">
+  <mc:AlternateContent xmlns:mc="http://schemas.openxmlformats.org/markup-compatibility/2006" xmlns:p159="http://schemas.microsoft.com/office/powerpoint/2015/09/main">
+    <mc:Choice Requires="p159">
       <p:transition xmlns:p14="http://schemas.microsoft.com/office/powerpoint/2010/main" p14:dur="300">
         <p159:morph option="byObject"/>
       </p:transition>
     </mc:Choice>
-    <mc:Fallback>
+    <mc:Fallback xmlns="">
       <p:transition>
         <p:fade/>
       </p:transition>
@@ -5314,13 +5599,13 @@
   <p:clrMapOvr>
     <a:masterClrMapping/>
   </p:clrMapOvr>
-  <mc:AlternateContent xmlns:mc="http://schemas.openxmlformats.org/markup-compatibility/2006">
-    <mc:Choice xmlns:p159="http://schemas.microsoft.com/office/powerpoint/2015/09/main" Requires="p159">
+  <mc:AlternateContent xmlns:mc="http://schemas.openxmlformats.org/markup-compatibility/2006" xmlns:p159="http://schemas.microsoft.com/office/powerpoint/2015/09/main">
+    <mc:Choice Requires="p159">
       <p:transition xmlns:p14="http://schemas.microsoft.com/office/powerpoint/2010/main" p14:dur="300">
         <p159:morph option="byObject"/>
       </p:transition>
     </mc:Choice>
-    <mc:Fallback>
+    <mc:Fallback xmlns="">
       <p:transition>
         <p:fade/>
       </p:transition>
@@ -5546,13 +5831,13 @@
   <p:clrMapOvr>
     <a:masterClrMapping/>
   </p:clrMapOvr>
-  <mc:AlternateContent xmlns:mc="http://schemas.openxmlformats.org/markup-compatibility/2006">
-    <mc:Choice xmlns:p159="http://schemas.microsoft.com/office/powerpoint/2015/09/main" Requires="p159">
+  <mc:AlternateContent xmlns:mc="http://schemas.openxmlformats.org/markup-compatibility/2006" xmlns:p159="http://schemas.microsoft.com/office/powerpoint/2015/09/main">
+    <mc:Choice Requires="p159">
       <p:transition xmlns:p14="http://schemas.microsoft.com/office/powerpoint/2010/main" p14:dur="300">
         <p159:morph option="byObject"/>
       </p:transition>
     </mc:Choice>
-    <mc:Fallback>
+    <mc:Fallback xmlns="">
       <p:transition>
         <p:fade/>
       </p:transition>
@@ -5748,13 +6033,13 @@
   <p:clrMapOvr>
     <a:masterClrMapping/>
   </p:clrMapOvr>
-  <mc:AlternateContent xmlns:mc="http://schemas.openxmlformats.org/markup-compatibility/2006">
-    <mc:Choice xmlns:p159="http://schemas.microsoft.com/office/powerpoint/2015/09/main" Requires="p159">
+  <mc:AlternateContent xmlns:mc="http://schemas.openxmlformats.org/markup-compatibility/2006" xmlns:p159="http://schemas.microsoft.com/office/powerpoint/2015/09/main">
+    <mc:Choice Requires="p159">
       <p:transition xmlns:p14="http://schemas.microsoft.com/office/powerpoint/2010/main" p14:dur="300">
         <p159:morph option="byObject"/>
       </p:transition>
     </mc:Choice>
-    <mc:Fallback>
+    <mc:Fallback xmlns="">
       <p:transition>
         <p:fade/>
       </p:transition>
@@ -6079,13 +6364,13 @@
   <p:clrMapOvr>
     <a:masterClrMapping/>
   </p:clrMapOvr>
-  <mc:AlternateContent xmlns:mc="http://schemas.openxmlformats.org/markup-compatibility/2006">
-    <mc:Choice xmlns:p159="http://schemas.microsoft.com/office/powerpoint/2015/09/main" Requires="p159">
+  <mc:AlternateContent xmlns:mc="http://schemas.openxmlformats.org/markup-compatibility/2006" xmlns:p159="http://schemas.microsoft.com/office/powerpoint/2015/09/main">
+    <mc:Choice Requires="p159">
       <p:transition xmlns:p14="http://schemas.microsoft.com/office/powerpoint/2010/main" p14:dur="300">
         <p159:morph option="byObject"/>
       </p:transition>
     </mc:Choice>
-    <mc:Fallback>
+    <mc:Fallback xmlns="">
       <p:transition>
         <p:fade/>
       </p:transition>
@@ -6369,13 +6654,13 @@
   <p:clrMapOvr>
     <a:masterClrMapping/>
   </p:clrMapOvr>
-  <mc:AlternateContent xmlns:mc="http://schemas.openxmlformats.org/markup-compatibility/2006">
-    <mc:Choice xmlns:p159="http://schemas.microsoft.com/office/powerpoint/2015/09/main" Requires="p159">
+  <mc:AlternateContent xmlns:mc="http://schemas.openxmlformats.org/markup-compatibility/2006" xmlns:p159="http://schemas.microsoft.com/office/powerpoint/2015/09/main">
+    <mc:Choice Requires="p159">
       <p:transition xmlns:p14="http://schemas.microsoft.com/office/powerpoint/2010/main" p14:dur="300">
         <p159:morph option="byObject"/>
       </p:transition>
     </mc:Choice>
-    <mc:Fallback>
+    <mc:Fallback xmlns="">
       <p:transition>
         <p:fade/>
       </p:transition>
@@ -6827,13 +7112,13 @@
   <p:clrMapOvr>
     <a:masterClrMapping/>
   </p:clrMapOvr>
-  <mc:AlternateContent xmlns:mc="http://schemas.openxmlformats.org/markup-compatibility/2006">
-    <mc:Choice xmlns:p159="http://schemas.microsoft.com/office/powerpoint/2015/09/main" Requires="p159">
+  <mc:AlternateContent xmlns:mc="http://schemas.openxmlformats.org/markup-compatibility/2006" xmlns:p159="http://schemas.microsoft.com/office/powerpoint/2015/09/main">
+    <mc:Choice Requires="p159">
       <p:transition xmlns:p14="http://schemas.microsoft.com/office/powerpoint/2010/main" p14:dur="300">
         <p159:morph option="byObject"/>
       </p:transition>
     </mc:Choice>
-    <mc:Fallback>
+    <mc:Fallback xmlns="">
       <p:transition>
         <p:fade/>
       </p:transition>
@@ -7325,13 +7610,13 @@
   <p:clrMapOvr>
     <a:masterClrMapping/>
   </p:clrMapOvr>
-  <mc:AlternateContent xmlns:mc="http://schemas.openxmlformats.org/markup-compatibility/2006">
-    <mc:Choice xmlns:p159="http://schemas.microsoft.com/office/powerpoint/2015/09/main" Requires="p159">
+  <mc:AlternateContent xmlns:mc="http://schemas.openxmlformats.org/markup-compatibility/2006" xmlns:p159="http://schemas.microsoft.com/office/powerpoint/2015/09/main">
+    <mc:Choice Requires="p159">
       <p:transition xmlns:p14="http://schemas.microsoft.com/office/powerpoint/2010/main" p14:dur="300">
         <p159:morph option="byObject"/>
       </p:transition>
     </mc:Choice>
-    <mc:Fallback>
+    <mc:Fallback xmlns="">
       <p:transition>
         <p:fade/>
       </p:transition>
@@ -7660,13 +7945,13 @@
   <p:clrMapOvr>
     <a:masterClrMapping/>
   </p:clrMapOvr>
-  <mc:AlternateContent xmlns:mc="http://schemas.openxmlformats.org/markup-compatibility/2006">
-    <mc:Choice xmlns:p159="http://schemas.microsoft.com/office/powerpoint/2015/09/main" Requires="p159">
+  <mc:AlternateContent xmlns:mc="http://schemas.openxmlformats.org/markup-compatibility/2006" xmlns:p159="http://schemas.microsoft.com/office/powerpoint/2015/09/main">
+    <mc:Choice Requires="p159">
       <p:transition xmlns:p14="http://schemas.microsoft.com/office/powerpoint/2010/main" p14:dur="300">
         <p159:morph option="byObject"/>
       </p:transition>
     </mc:Choice>
-    <mc:Fallback>
+    <mc:Fallback xmlns="">
       <p:transition>
         <p:fade/>
       </p:transition>
